--- a/Output/Reports/Paralel_presentation_DD.pptx
+++ b/Output/Reports/Paralel_presentation_DD.pptx
@@ -294,7 +294,7 @@
           <a:p>
             <a:fld id="{DB7A28FE-D1E4-C34B-B7AB-57AD42DADD81}" type="datetimeFigureOut">
               <a:rPr lang="en-TR" smtClean="0"/>
-              <a:t>4/14/23</a:t>
+              <a:t>5/18/23</a:t>
             </a:fld>
             <a:endParaRPr lang="en-TR"/>
           </a:p>
@@ -494,7 +494,7 @@
           <a:p>
             <a:fld id="{DB7A28FE-D1E4-C34B-B7AB-57AD42DADD81}" type="datetimeFigureOut">
               <a:rPr lang="en-TR" smtClean="0"/>
-              <a:t>4/14/23</a:t>
+              <a:t>5/18/23</a:t>
             </a:fld>
             <a:endParaRPr lang="en-TR"/>
           </a:p>
@@ -704,7 +704,7 @@
           <a:p>
             <a:fld id="{DB7A28FE-D1E4-C34B-B7AB-57AD42DADD81}" type="datetimeFigureOut">
               <a:rPr lang="en-TR" smtClean="0"/>
-              <a:t>4/14/23</a:t>
+              <a:t>5/18/23</a:t>
             </a:fld>
             <a:endParaRPr lang="en-TR"/>
           </a:p>
@@ -904,7 +904,7 @@
           <a:p>
             <a:fld id="{DB7A28FE-D1E4-C34B-B7AB-57AD42DADD81}" type="datetimeFigureOut">
               <a:rPr lang="en-TR" smtClean="0"/>
-              <a:t>4/14/23</a:t>
+              <a:t>5/18/23</a:t>
             </a:fld>
             <a:endParaRPr lang="en-TR"/>
           </a:p>
@@ -1180,7 +1180,7 @@
           <a:p>
             <a:fld id="{DB7A28FE-D1E4-C34B-B7AB-57AD42DADD81}" type="datetimeFigureOut">
               <a:rPr lang="en-TR" smtClean="0"/>
-              <a:t>4/14/23</a:t>
+              <a:t>5/18/23</a:t>
             </a:fld>
             <a:endParaRPr lang="en-TR"/>
           </a:p>
@@ -1448,7 +1448,7 @@
           <a:p>
             <a:fld id="{DB7A28FE-D1E4-C34B-B7AB-57AD42DADD81}" type="datetimeFigureOut">
               <a:rPr lang="en-TR" smtClean="0"/>
-              <a:t>4/14/23</a:t>
+              <a:t>5/18/23</a:t>
             </a:fld>
             <a:endParaRPr lang="en-TR"/>
           </a:p>
@@ -1863,7 +1863,7 @@
           <a:p>
             <a:fld id="{DB7A28FE-D1E4-C34B-B7AB-57AD42DADD81}" type="datetimeFigureOut">
               <a:rPr lang="en-TR" smtClean="0"/>
-              <a:t>4/14/23</a:t>
+              <a:t>5/18/23</a:t>
             </a:fld>
             <a:endParaRPr lang="en-TR"/>
           </a:p>
@@ -2005,7 +2005,7 @@
           <a:p>
             <a:fld id="{DB7A28FE-D1E4-C34B-B7AB-57AD42DADD81}" type="datetimeFigureOut">
               <a:rPr lang="en-TR" smtClean="0"/>
-              <a:t>4/14/23</a:t>
+              <a:t>5/18/23</a:t>
             </a:fld>
             <a:endParaRPr lang="en-TR"/>
           </a:p>
@@ -2118,7 +2118,7 @@
           <a:p>
             <a:fld id="{DB7A28FE-D1E4-C34B-B7AB-57AD42DADD81}" type="datetimeFigureOut">
               <a:rPr lang="en-TR" smtClean="0"/>
-              <a:t>4/14/23</a:t>
+              <a:t>5/18/23</a:t>
             </a:fld>
             <a:endParaRPr lang="en-TR"/>
           </a:p>
@@ -2431,7 +2431,7 @@
           <a:p>
             <a:fld id="{DB7A28FE-D1E4-C34B-B7AB-57AD42DADD81}" type="datetimeFigureOut">
               <a:rPr lang="en-TR" smtClean="0"/>
-              <a:t>4/14/23</a:t>
+              <a:t>5/18/23</a:t>
             </a:fld>
             <a:endParaRPr lang="en-TR"/>
           </a:p>
@@ -2720,7 +2720,7 @@
           <a:p>
             <a:fld id="{DB7A28FE-D1E4-C34B-B7AB-57AD42DADD81}" type="datetimeFigureOut">
               <a:rPr lang="en-TR" smtClean="0"/>
-              <a:t>4/14/23</a:t>
+              <a:t>5/18/23</a:t>
             </a:fld>
             <a:endParaRPr lang="en-TR"/>
           </a:p>
@@ -2963,7 +2963,7 @@
           <a:p>
             <a:fld id="{DB7A28FE-D1E4-C34B-B7AB-57AD42DADD81}" type="datetimeFigureOut">
               <a:rPr lang="en-TR" smtClean="0"/>
-              <a:t>4/14/23</a:t>
+              <a:t>5/18/23</a:t>
             </a:fld>
             <a:endParaRPr lang="en-TR"/>
           </a:p>
@@ -6322,19 +6322,25 @@
           <a:p>
             <a:r>
               <a:rPr lang="en-GB" dirty="0"/>
-              <a:t>Now we are looking at the first co-citation network for the first period from 2000 to 2007. This network is composed of four clusters, and each cluster connects authors’ publications that share common themes and research areas. </a:t>
+              <a:t>Now we are looking at the first co-citation network for the first period from 2000 to 2007. This network is composed of four clusters, and each cluster connects publications that share common themes and research areas. </a:t>
             </a:r>
           </a:p>
           <a:p>
             <a:r>
               <a:rPr lang="en-GB" dirty="0"/>
-              <a:t>Looking closer at each cluster, we can identify the big vertices and smaller vertices. The big vertices represent the dominant authors. They are dominant because they have the highest degree of centrality. Which means they have a significant amount of connections within the cluster and across clusters. Dominant authors are highly influential; they play a significant role in the cluster and the whole network because they shape the discourse, the methodologies, and the theoretical frameworks of the digital divide. </a:t>
-            </a:r>
+              <a:t>Looking at each cluster we can identify the big vertices and smaller vertices. The big vertices represent the dominant publications. They are dominant because they have the highest degree of centrality. Which means they have a significant amount of connections within the cluster and across clusters. Dominant authors are highly influential; they play a significant role in the cluster and the whole network because they shape the discourse, the methodologies, and the theoretical frameworks of the digital divide. </a:t>
+            </a:r>
+          </a:p>
+          <a:p>
+            <a:pPr marL="0" indent="0">
+              <a:buNone/>
+            </a:pPr>
+            <a:endParaRPr lang="en-GB" dirty="0"/>
           </a:p>
           <a:p>
             <a:r>
               <a:rPr lang="en-GB" dirty="0"/>
-              <a:t>Peripheral authors are the smaller vertices and they usually gravitate around the dominant authors. They do not have much influence because they have fewer connections, however, </a:t>
+              <a:t>Peripheral publications are the smaller vertices and they usually gravitate around the dominant authors. They do not have much influence because they have fewer connections, however, </a:t>
             </a:r>
             <a:r>
               <a:rPr lang="en-US" dirty="0">
